--- a/Music Trends Project v1.pptx
+++ b/Music Trends Project v1.pptx
@@ -3981,7 +3981,7 @@
         </p:spPr>
         <p:txBody>
           <a:bodyPr vert="horz" lIns="91440" tIns="45720" rIns="91440" bIns="45720" rtlCol="0">
-            <a:normAutofit/>
+            <a:normAutofit lnSpcReduction="10000"/>
           </a:bodyPr>
           <a:lstStyle/>
           <a:p>
@@ -4004,7 +4004,7 @@
               <a:buChar char="•"/>
             </a:pPr>
             <a:r>
-              <a:rPr lang="en-US" sz="2000" dirty="0">
+              <a:rPr lang="en-US" dirty="0">
                 <a:solidFill>
                   <a:srgbClr val="000000"/>
                 </a:solidFill>
@@ -4012,7 +4012,7 @@
               <a:t>Team Leader: Hayley </a:t>
             </a:r>
             <a:r>
-              <a:rPr lang="en-US" sz="2000" dirty="0" err="1">
+              <a:rPr lang="en-US" dirty="0" err="1">
                 <a:solidFill>
                   <a:srgbClr val="000000"/>
                 </a:solidFill>
@@ -4020,7 +4020,7 @@
               <a:t>Jellison</a:t>
             </a:r>
             <a:r>
-              <a:rPr lang="en-US" sz="2000" dirty="0">
+              <a:rPr lang="en-US" dirty="0">
                 <a:solidFill>
                   <a:srgbClr val="000000"/>
                 </a:solidFill>
@@ -4028,14 +4028,14 @@
               <a:t> @</a:t>
             </a:r>
             <a:r>
-              <a:rPr lang="en-US" sz="2000" dirty="0" err="1">
+              <a:rPr lang="en-US" dirty="0" err="1">
                 <a:solidFill>
                   <a:srgbClr val="000000"/>
                 </a:solidFill>
               </a:rPr>
               <a:t>hayleyjellison</a:t>
             </a:r>
-            <a:endParaRPr lang="en-US" sz="2000" dirty="0">
+            <a:endParaRPr lang="en-US" dirty="0">
               <a:solidFill>
                 <a:srgbClr val="000000"/>
               </a:solidFill>
@@ -4047,7 +4047,7 @@
               <a:buChar char="•"/>
             </a:pPr>
             <a:r>
-              <a:rPr lang="en-US" sz="2000" dirty="0">
+              <a:rPr lang="en-US" dirty="0">
                 <a:solidFill>
                   <a:srgbClr val="000000"/>
                 </a:solidFill>
@@ -4055,14 +4055,14 @@
               <a:t>Git Master: Chris Nguyen @c-l-</a:t>
             </a:r>
             <a:r>
-              <a:rPr lang="en-US" sz="2000" dirty="0" err="1">
+              <a:rPr lang="en-US" dirty="0" err="1">
                 <a:solidFill>
                   <a:srgbClr val="000000"/>
                 </a:solidFill>
               </a:rPr>
               <a:t>nguyen</a:t>
             </a:r>
-            <a:endParaRPr lang="en-US" sz="2000" dirty="0">
+            <a:endParaRPr lang="en-US" dirty="0">
               <a:solidFill>
                 <a:srgbClr val="000000"/>
               </a:solidFill>
@@ -4074,7 +4074,7 @@
               <a:buChar char="•"/>
             </a:pPr>
             <a:r>
-              <a:rPr lang="en-US" sz="2000" dirty="0">
+              <a:rPr lang="en-US" dirty="0">
                 <a:solidFill>
                   <a:srgbClr val="000000"/>
                 </a:solidFill>
@@ -4082,14 +4082,14 @@
               <a:t>Data Analyst: Josefina Blanchard @</a:t>
             </a:r>
             <a:r>
-              <a:rPr lang="en-US" sz="2000" dirty="0" err="1">
+              <a:rPr lang="en-US" dirty="0" err="1">
                 <a:solidFill>
                   <a:srgbClr val="000000"/>
                 </a:solidFill>
               </a:rPr>
               <a:t>josefina-blanchard</a:t>
             </a:r>
-            <a:endParaRPr lang="en-US" sz="2000" dirty="0">
+            <a:endParaRPr lang="en-US" dirty="0">
               <a:solidFill>
                 <a:srgbClr val="000000"/>
               </a:solidFill>
@@ -4101,7 +4101,7 @@
               <a:buChar char="•"/>
             </a:pPr>
             <a:r>
-              <a:rPr lang="en-US" sz="2000" dirty="0">
+              <a:rPr lang="en-US" dirty="0">
                 <a:solidFill>
                   <a:srgbClr val="000000"/>
                 </a:solidFill>
@@ -4109,14 +4109,14 @@
               <a:t>Data Analyst: Amy Dach @</a:t>
             </a:r>
             <a:r>
-              <a:rPr lang="en-US" sz="2000" dirty="0" err="1">
+              <a:rPr lang="en-US" dirty="0" err="1">
                 <a:solidFill>
                   <a:srgbClr val="000000"/>
                 </a:solidFill>
               </a:rPr>
               <a:t>amydach</a:t>
             </a:r>
-            <a:endParaRPr lang="en-US" sz="2000" dirty="0">
+            <a:endParaRPr lang="en-US" dirty="0">
               <a:solidFill>
                 <a:srgbClr val="000000"/>
               </a:solidFill>
@@ -4155,13 +4155,7 @@
               <a:rPr lang="en-US" sz="2000" dirty="0">
                 <a:hlinkClick r:id="rId3"/>
               </a:rPr>
-              <a:t>https://github.com/c-l-nguyen/hayleys</a:t>
-            </a:r>
-            <a:r>
-              <a:rPr lang="en-US" sz="2000">
-                <a:hlinkClick r:id="rId3"/>
-              </a:rPr>
-              <a:t>-cosmic-songs/tree/master</a:t>
+              <a:t>https://github.com/c-l-nguyen/hayleys-cosmic-songs/tree/master</a:t>
             </a:r>
             <a:endParaRPr lang="en-US" sz="2000" dirty="0">
               <a:solidFill>
@@ -6243,7 +6237,7 @@
               <a:buAutoNum type="arabicPeriod"/>
             </a:pPr>
             <a:r>
-              <a:rPr lang="en-US" sz="1600" dirty="0">
+              <a:rPr lang="en-US" sz="1800" dirty="0">
                 <a:solidFill>
                   <a:srgbClr val="000000"/>
                 </a:solidFill>
@@ -6263,7 +6257,7 @@
               <a:buAutoNum type="arabicPeriod"/>
             </a:pPr>
             <a:r>
-              <a:rPr lang="en-US" sz="1600" dirty="0">
+              <a:rPr lang="en-US" sz="1800" dirty="0">
                 <a:solidFill>
                   <a:srgbClr val="000000"/>
                 </a:solidFill>
@@ -6283,64 +6277,12 @@
               <a:buAutoNum type="arabicPeriod"/>
             </a:pPr>
             <a:r>
-              <a:rPr lang="en-US" sz="1600" dirty="0"/>
-              <a:t>Which artists appear the most in the list?</a:t>
-            </a:r>
-          </a:p>
-          <a:p>
-            <a:pPr marL="800100" lvl="1" indent="-342900">
-              <a:lnSpc>
-                <a:spcPct val="100000"/>
-              </a:lnSpc>
-              <a:spcBef>
-                <a:spcPts val="200"/>
-              </a:spcBef>
-              <a:buFont typeface="+mj-lt"/>
-              <a:buAutoNum type="arabicPeriod"/>
-            </a:pPr>
-            <a:r>
-              <a:rPr lang="en-US" sz="1600" dirty="0"/>
-              <a:t>Which song(s) appear the most in the list?</a:t>
-            </a:r>
-          </a:p>
-          <a:p>
-            <a:pPr marL="800100" lvl="1" indent="-342900">
-              <a:lnSpc>
-                <a:spcPct val="100000"/>
-              </a:lnSpc>
-              <a:spcBef>
-                <a:spcPts val="200"/>
-              </a:spcBef>
-              <a:buFont typeface="+mj-lt"/>
-              <a:buAutoNum type="arabicPeriod"/>
-            </a:pPr>
-            <a:r>
-              <a:rPr lang="en-US" sz="1600" dirty="0">
+              <a:rPr lang="en-US" sz="1800" dirty="0">
                 <a:solidFill>
                   <a:srgbClr val="000000"/>
                 </a:solidFill>
               </a:rPr>
               <a:t>How have certain qualities of the song (such as tempo, beat, "danceability") changed over the years within the Hot 100 list?</a:t>
-            </a:r>
-          </a:p>
-          <a:p>
-            <a:pPr marL="800100" lvl="1" indent="-342900">
-              <a:lnSpc>
-                <a:spcPct val="100000"/>
-              </a:lnSpc>
-              <a:spcBef>
-                <a:spcPts val="200"/>
-              </a:spcBef>
-              <a:buFont typeface="+mj-lt"/>
-              <a:buAutoNum type="arabicPeriod"/>
-            </a:pPr>
-            <a:r>
-              <a:rPr lang="en-US" sz="1600" dirty="0">
-                <a:solidFill>
-                  <a:srgbClr val="000000"/>
-                </a:solidFill>
-              </a:rPr>
-              <a:t>Are there any qualities that are distinct about the most popular songs within a decade?</a:t>
             </a:r>
           </a:p>
         </p:txBody>
@@ -6611,24 +6553,27 @@
               </a:rPr>
               <a:t>data.world</a:t>
             </a:r>
-            <a:endParaRPr lang="en-US" sz="1400" dirty="0">
-              <a:solidFill>
-                <a:srgbClr val="000000"/>
-              </a:solidFill>
-            </a:endParaRPr>
-          </a:p>
-          <a:p>
-            <a:pPr lvl="2">
-              <a:buFont typeface="Wingdings" panose="05000000000000000000" pitchFamily="2" charset="2"/>
-              <a:buChar char="Ø"/>
-            </a:pPr>
             <a:r>
               <a:rPr lang="en-US" sz="1400" dirty="0">
                 <a:solidFill>
                   <a:srgbClr val="000000"/>
                 </a:solidFill>
               </a:rPr>
-              <a:t>Billboard Hot-100 Songs 2000-2018 w/ Spotify Data + Lyrics from </a:t>
+              <a:t> from 11960s to 2010s by decade (100 each)</a:t>
+            </a:r>
+          </a:p>
+          <a:p>
+            <a:pPr lvl="2">
+              <a:buFont typeface="Wingdings" panose="05000000000000000000" pitchFamily="2" charset="2"/>
+              <a:buChar char="Ø"/>
+            </a:pPr>
+            <a:r>
+              <a:rPr lang="en-US" sz="1400" dirty="0">
+                <a:solidFill>
+                  <a:srgbClr val="000000"/>
+                </a:solidFill>
+              </a:rPr>
+              <a:t>Billboard Hot-100 Songs 2000-2017 w/ Spotify Data + Lyrics from </a:t>
             </a:r>
             <a:r>
               <a:rPr lang="en-US" sz="1400" dirty="0" err="1">
@@ -6723,7 +6668,7 @@
                   <a:srgbClr val="000000"/>
                 </a:solidFill>
               </a:rPr>
-              <a:t>Billboard Hot 100 was matched to Spotify to gain additional metrics about each song.</a:t>
+              <a:t>Billboard Hot 100 was matched to Spotify to gain additional metrics about each song</a:t>
             </a:r>
           </a:p>
           <a:p>
@@ -6754,7 +6699,7 @@
                   <a:srgbClr val="000000"/>
                 </a:solidFill>
               </a:rPr>
-              <a:t>Spotify API rate limit was determined dynamically</a:t>
+              <a:t>Spotify API rate limit was determined dynamically, had to limit</a:t>
             </a:r>
             <a:endParaRPr lang="en-US" sz="1600" dirty="0">
               <a:solidFill>
@@ -6788,7 +6733,7 @@
                   <a:srgbClr val="000000"/>
                 </a:solidFill>
               </a:rPr>
-              <a:t>Evaluated all Spotify metrics to determine which were most correlated.</a:t>
+              <a:t>Evaluated all Spotify metrics to determine which were most correlated</a:t>
             </a:r>
           </a:p>
           <a:p>
@@ -6876,9 +6821,10 @@
           </a:bodyPr>
           <a:lstStyle/>
           <a:p>
+            <a:pPr algn="ctr"/>
             <a:r>
               <a:rPr lang="en-US" dirty="0"/>
-              <a:t>The pop genre has grown to dominate the top 100 songs of the decade, with a decline in rock music.</a:t>
+              <a:t>The pop genre has grown to dominate the top 100 songs of the decade</a:t>
             </a:r>
           </a:p>
         </p:txBody>
@@ -7269,7 +7215,7 @@
         </p:spPr>
         <p:txBody>
           <a:bodyPr vert="horz" lIns="91440" tIns="45720" rIns="91440" bIns="45720" rtlCol="0" anchor="ctr">
-            <a:normAutofit fontScale="97500" lnSpcReduction="10000"/>
+            <a:normAutofit fontScale="97500"/>
           </a:bodyPr>
           <a:lstStyle>
             <a:lvl1pPr algn="l" defTabSz="914400" rtl="0" eaLnBrk="1" latinLnBrk="0" hangingPunct="1">
@@ -7293,7 +7239,7 @@
           <a:p>
             <a:r>
               <a:rPr lang="en-US" dirty="0"/>
-              <a:t>The danceability mean has declined starting in the 90s driven by rap and country.  It is making a comeback in 2000s driven by rock music.</a:t>
+              <a:t>The danceability mean has increased overall over the decades. Very similar by 2010s</a:t>
             </a:r>
           </a:p>
         </p:txBody>
@@ -7387,13 +7333,13 @@
         </p:spPr>
         <p:txBody>
           <a:bodyPr>
-            <a:normAutofit fontScale="90000"/>
+            <a:normAutofit/>
           </a:bodyPr>
           <a:lstStyle/>
           <a:p>
             <a:r>
               <a:rPr lang="en-US" dirty="0"/>
-              <a:t>Valance declined substantially over the decades, but increased starting in 2000s driven by country and pop</a:t>
+              <a:t>Valance declined substantially over the decades, especially when compared to 1960s &amp; 1980s</a:t>
             </a:r>
           </a:p>
         </p:txBody>
@@ -7666,7 +7612,7 @@
         </p:spPr>
         <p:txBody>
           <a:bodyPr vert="horz" lIns="91440" tIns="45720" rIns="91440" bIns="45720" rtlCol="0" anchor="ctr">
-            <a:normAutofit fontScale="97500" lnSpcReduction="10000"/>
+            <a:normAutofit fontScale="97500"/>
           </a:bodyPr>
           <a:lstStyle>
             <a:lvl1pPr algn="l" defTabSz="914400" rtl="0" eaLnBrk="1" latinLnBrk="0" hangingPunct="1">
@@ -7688,9 +7634,10 @@
             </a:lvl1pPr>
           </a:lstStyle>
           <a:p>
+            <a:pPr algn="ctr"/>
             <a:r>
               <a:rPr lang="en-US" dirty="0"/>
-              <a:t>The energy level of songs increased across the decades thru 2000’s, but has since declined driven by rock music.</a:t>
+              <a:t>The energy level of songs increased across the decades thru 2000’s</a:t>
             </a:r>
           </a:p>
         </p:txBody>

--- a/Music Trends Project v1.pptx
+++ b/Music Trends Project v1.pptx
@@ -6559,7 +6559,23 @@
                   <a:srgbClr val="000000"/>
                 </a:solidFill>
               </a:rPr>
-              <a:t> from 11960s to 2010s by decade (100 each)</a:t>
+              <a:t> </a:t>
+            </a:r>
+            <a:r>
+              <a:rPr lang="en-US" sz="1400">
+                <a:solidFill>
+                  <a:srgbClr val="000000"/>
+                </a:solidFill>
+              </a:rPr>
+              <a:t>from 1960s </a:t>
+            </a:r>
+            <a:r>
+              <a:rPr lang="en-US" sz="1400" dirty="0">
+                <a:solidFill>
+                  <a:srgbClr val="000000"/>
+                </a:solidFill>
+              </a:rPr>
+              <a:t>to 2010s by decade (100 each)</a:t>
             </a:r>
           </a:p>
           <a:p>
